--- a/중간보고서/중간보고서-최종직전버전.pptx
+++ b/중간보고서/중간보고서-최종직전버전.pptx
@@ -266,7 +266,7 @@
           <a:p>
             <a:fld id="{A586DD9E-CBA2-4CC8-AA80-6840ED2F7CD9}" type="datetimeFigureOut">
               <a:rPr lang="ko-KR" altLang="en-US" smtClean="0"/>
-              <a:t>2020-07-25</a:t>
+              <a:t>2020-07-27</a:t>
             </a:fld>
             <a:endParaRPr lang="ko-KR" altLang="en-US"/>
           </a:p>
@@ -436,7 +436,7 @@
           <a:p>
             <a:fld id="{A586DD9E-CBA2-4CC8-AA80-6840ED2F7CD9}" type="datetimeFigureOut">
               <a:rPr lang="ko-KR" altLang="en-US" smtClean="0"/>
-              <a:t>2020-07-25</a:t>
+              <a:t>2020-07-27</a:t>
             </a:fld>
             <a:endParaRPr lang="ko-KR" altLang="en-US"/>
           </a:p>
@@ -616,7 +616,7 @@
           <a:p>
             <a:fld id="{A586DD9E-CBA2-4CC8-AA80-6840ED2F7CD9}" type="datetimeFigureOut">
               <a:rPr lang="ko-KR" altLang="en-US" smtClean="0"/>
-              <a:t>2020-07-25</a:t>
+              <a:t>2020-07-27</a:t>
             </a:fld>
             <a:endParaRPr lang="ko-KR" altLang="en-US"/>
           </a:p>
@@ -786,7 +786,7 @@
           <a:p>
             <a:fld id="{A586DD9E-CBA2-4CC8-AA80-6840ED2F7CD9}" type="datetimeFigureOut">
               <a:rPr lang="ko-KR" altLang="en-US" smtClean="0"/>
-              <a:t>2020-07-25</a:t>
+              <a:t>2020-07-27</a:t>
             </a:fld>
             <a:endParaRPr lang="ko-KR" altLang="en-US"/>
           </a:p>
@@ -1030,7 +1030,7 @@
           <a:p>
             <a:fld id="{A586DD9E-CBA2-4CC8-AA80-6840ED2F7CD9}" type="datetimeFigureOut">
               <a:rPr lang="ko-KR" altLang="en-US" smtClean="0"/>
-              <a:t>2020-07-25</a:t>
+              <a:t>2020-07-27</a:t>
             </a:fld>
             <a:endParaRPr lang="ko-KR" altLang="en-US"/>
           </a:p>
@@ -1262,7 +1262,7 @@
           <a:p>
             <a:fld id="{A586DD9E-CBA2-4CC8-AA80-6840ED2F7CD9}" type="datetimeFigureOut">
               <a:rPr lang="ko-KR" altLang="en-US" smtClean="0"/>
-              <a:t>2020-07-25</a:t>
+              <a:t>2020-07-27</a:t>
             </a:fld>
             <a:endParaRPr lang="ko-KR" altLang="en-US"/>
           </a:p>
@@ -1629,7 +1629,7 @@
           <a:p>
             <a:fld id="{A586DD9E-CBA2-4CC8-AA80-6840ED2F7CD9}" type="datetimeFigureOut">
               <a:rPr lang="ko-KR" altLang="en-US" smtClean="0"/>
-              <a:t>2020-07-25</a:t>
+              <a:t>2020-07-27</a:t>
             </a:fld>
             <a:endParaRPr lang="ko-KR" altLang="en-US"/>
           </a:p>
@@ -1747,7 +1747,7 @@
           <a:p>
             <a:fld id="{A586DD9E-CBA2-4CC8-AA80-6840ED2F7CD9}" type="datetimeFigureOut">
               <a:rPr lang="ko-KR" altLang="en-US" smtClean="0"/>
-              <a:t>2020-07-25</a:t>
+              <a:t>2020-07-27</a:t>
             </a:fld>
             <a:endParaRPr lang="ko-KR" altLang="en-US"/>
           </a:p>
@@ -1842,7 +1842,7 @@
           <a:p>
             <a:fld id="{A586DD9E-CBA2-4CC8-AA80-6840ED2F7CD9}" type="datetimeFigureOut">
               <a:rPr lang="ko-KR" altLang="en-US" smtClean="0"/>
-              <a:t>2020-07-25</a:t>
+              <a:t>2020-07-27</a:t>
             </a:fld>
             <a:endParaRPr lang="ko-KR" altLang="en-US"/>
           </a:p>
@@ -2119,7 +2119,7 @@
           <a:p>
             <a:fld id="{A586DD9E-CBA2-4CC8-AA80-6840ED2F7CD9}" type="datetimeFigureOut">
               <a:rPr lang="ko-KR" altLang="en-US" smtClean="0"/>
-              <a:t>2020-07-25</a:t>
+              <a:t>2020-07-27</a:t>
             </a:fld>
             <a:endParaRPr lang="ko-KR" altLang="en-US"/>
           </a:p>
@@ -2376,7 +2376,7 @@
           <a:p>
             <a:fld id="{A586DD9E-CBA2-4CC8-AA80-6840ED2F7CD9}" type="datetimeFigureOut">
               <a:rPr lang="ko-KR" altLang="en-US" smtClean="0"/>
-              <a:t>2020-07-25</a:t>
+              <a:t>2020-07-27</a:t>
             </a:fld>
             <a:endParaRPr lang="ko-KR" altLang="en-US"/>
           </a:p>
@@ -2589,7 +2589,7 @@
           <a:p>
             <a:fld id="{A586DD9E-CBA2-4CC8-AA80-6840ED2F7CD9}" type="datetimeFigureOut">
               <a:rPr lang="ko-KR" altLang="en-US" smtClean="0"/>
-              <a:t>2020-07-25</a:t>
+              <a:t>2020-07-27</a:t>
             </a:fld>
             <a:endParaRPr lang="ko-KR" altLang="en-US"/>
           </a:p>
@@ -7979,8 +7979,61 @@
           <a:bodyPr rtlCol="0" anchor="ctr"/>
           <a:lstStyle/>
           <a:p>
-            <a:pPr algn="ctr"/>
-            <a:endParaRPr lang="ko-KR" altLang="en-US" b="1" dirty="0"/>
+            <a:pPr lvl="0"/>
+            <a:r>
+              <a:rPr lang="en-US" altLang="ko-KR" sz="1600" b="1" dirty="0" err="1">
+                <a:solidFill>
+                  <a:prstClr val="black"/>
+                </a:solidFill>
+              </a:rPr>
+              <a:t>user_bus</a:t>
+            </a:r>
+            <a:r>
+              <a:rPr lang="en-US" altLang="ko-KR" sz="1600" b="1" dirty="0">
+                <a:solidFill>
+                  <a:prstClr val="black"/>
+                </a:solidFill>
+              </a:rPr>
+              <a:t>   INT(2)</a:t>
+            </a:r>
+          </a:p>
+          <a:p>
+            <a:pPr lvl="0"/>
+            <a:r>
+              <a:rPr lang="en-US" altLang="ko-KR" sz="1600" b="1" dirty="0" err="1">
+                <a:solidFill>
+                  <a:prstClr val="black"/>
+                </a:solidFill>
+              </a:rPr>
+              <a:t>user_busstop</a:t>
+            </a:r>
+            <a:r>
+              <a:rPr lang="en-US" altLang="ko-KR" sz="1600" b="1" dirty="0">
+                <a:solidFill>
+                  <a:prstClr val="black"/>
+                </a:solidFill>
+              </a:rPr>
+              <a:t>   VARCHAR(10)</a:t>
+            </a:r>
+          </a:p>
+          <a:p>
+            <a:pPr lvl="0"/>
+            <a:r>
+              <a:rPr lang="en-US" altLang="ko-KR" sz="1600" b="1" dirty="0" err="1">
+                <a:solidFill>
+                  <a:prstClr val="black"/>
+                </a:solidFill>
+              </a:rPr>
+              <a:t>user_count</a:t>
+            </a:r>
+            <a:r>
+              <a:rPr lang="en-US" altLang="ko-KR" sz="1600" b="1" dirty="0">
+                <a:solidFill>
+                  <a:prstClr val="black"/>
+                </a:solidFill>
+              </a:rPr>
+              <a:t>   INT(1)</a:t>
+            </a:r>
           </a:p>
         </p:txBody>
       </p:sp>
